--- a/source/Lecture-Slides_R-StudioCloud.pptx
+++ b/source/Lecture-Slides_R-StudioCloud.pptx
@@ -8,8 +8,9 @@
     <p:sldId id="256" r:id="rId2"/>
     <p:sldId id="257" r:id="rId3"/>
     <p:sldId id="258" r:id="rId4"/>
-    <p:sldId id="259" r:id="rId5"/>
-    <p:sldId id="260" r:id="rId6"/>
+    <p:sldId id="261" r:id="rId5"/>
+    <p:sldId id="259" r:id="rId6"/>
+    <p:sldId id="260" r:id="rId7"/>
   </p:sldIdLst>
   <p:sldSz cx="12192000" cy="6858000"/>
   <p:notesSz cx="6858000" cy="9144000"/>
@@ -3629,20 +3630,78 @@
           <a:p>
             <a:endParaRPr lang="en-US" dirty="0"/>
           </a:p>
-          <a:p>
-            <a:r>
-              <a:rPr lang="en-US" dirty="0"/>
-              <a:t>Each section of the FOS course is an Assignment</a:t>
-            </a:r>
-          </a:p>
-          <a:p>
-            <a:r>
-              <a:rPr lang="en-US" dirty="0"/>
-              <a:t>Click the project title to start</a:t>
-            </a:r>
-          </a:p>
-        </p:txBody>
-      </p:sp>
+        </p:txBody>
+      </p:sp>
+      <p:pic>
+        <p:nvPicPr>
+          <p:cNvPr id="6" name="Picture 5">
+            <a:extLst>
+              <a:ext uri="{FF2B5EF4-FFF2-40B4-BE49-F238E27FC236}">
+                <a16:creationId xmlns:a16="http://schemas.microsoft.com/office/drawing/2014/main" id="{77E29B61-3A97-4495-AF62-F2F07AF5A2BD}"/>
+              </a:ext>
+            </a:extLst>
+          </p:cNvPr>
+          <p:cNvPicPr>
+            <a:picLocks noChangeAspect="1"/>
+          </p:cNvPicPr>
+          <p:nvPr/>
+        </p:nvPicPr>
+        <p:blipFill>
+          <a:blip r:embed="rId2"/>
+          <a:stretch>
+            <a:fillRect/>
+          </a:stretch>
+        </p:blipFill>
+        <p:spPr>
+          <a:xfrm>
+            <a:off x="2284381" y="3687793"/>
+            <a:ext cx="4218015" cy="2626742"/>
+          </a:xfrm>
+          <a:prstGeom prst="rect">
+            <a:avLst/>
+          </a:prstGeom>
+          <a:ln w="57150">
+            <a:solidFill>
+              <a:schemeClr val="tx1"/>
+            </a:solidFill>
+          </a:ln>
+        </p:spPr>
+      </p:pic>
+      <p:pic>
+        <p:nvPicPr>
+          <p:cNvPr id="8" name="Picture 7">
+            <a:extLst>
+              <a:ext uri="{FF2B5EF4-FFF2-40B4-BE49-F238E27FC236}">
+                <a16:creationId xmlns:a16="http://schemas.microsoft.com/office/drawing/2014/main" id="{0982A4F3-D3F4-48DA-BE93-41CCE77EAD98}"/>
+              </a:ext>
+            </a:extLst>
+          </p:cNvPr>
+          <p:cNvPicPr>
+            <a:picLocks noChangeAspect="1"/>
+          </p:cNvPicPr>
+          <p:nvPr/>
+        </p:nvPicPr>
+        <p:blipFill>
+          <a:blip r:embed="rId3"/>
+          <a:stretch>
+            <a:fillRect/>
+          </a:stretch>
+        </p:blipFill>
+        <p:spPr>
+          <a:xfrm>
+            <a:off x="6894437" y="3690944"/>
+            <a:ext cx="2033283" cy="2623591"/>
+          </a:xfrm>
+          <a:prstGeom prst="rect">
+            <a:avLst/>
+          </a:prstGeom>
+          <a:ln w="57150">
+            <a:solidFill>
+              <a:schemeClr val="tx1"/>
+            </a:solidFill>
+          </a:ln>
+        </p:spPr>
+      </p:pic>
     </p:spTree>
     <p:extLst>
       <p:ext uri="{BB962C8B-B14F-4D97-AF65-F5344CB8AC3E}">
@@ -3678,6 +3737,144 @@
           <p:cNvPr id="2" name="Title 1">
             <a:extLst>
               <a:ext uri="{FF2B5EF4-FFF2-40B4-BE49-F238E27FC236}">
+                <a16:creationId xmlns:a16="http://schemas.microsoft.com/office/drawing/2014/main" id="{8746F002-B535-4452-B018-D075F6F94D38}"/>
+              </a:ext>
+            </a:extLst>
+          </p:cNvPr>
+          <p:cNvSpPr>
+            <a:spLocks noGrp="1"/>
+          </p:cNvSpPr>
+          <p:nvPr>
+            <p:ph type="title"/>
+          </p:nvPr>
+        </p:nvSpPr>
+        <p:spPr/>
+        <p:txBody>
+          <a:bodyPr/>
+          <a:lstStyle/>
+          <a:p>
+            <a:r>
+              <a:rPr lang="en-US" dirty="0"/>
+              <a:t>Navigating the cloud</a:t>
+            </a:r>
+            <a:endParaRPr lang="en-GB" dirty="0"/>
+          </a:p>
+        </p:txBody>
+      </p:sp>
+      <p:sp>
+        <p:nvSpPr>
+          <p:cNvPr id="3" name="Content Placeholder 2">
+            <a:extLst>
+              <a:ext uri="{FF2B5EF4-FFF2-40B4-BE49-F238E27FC236}">
+                <a16:creationId xmlns:a16="http://schemas.microsoft.com/office/drawing/2014/main" id="{146869AF-98E9-4FBE-874E-6056C121086F}"/>
+              </a:ext>
+            </a:extLst>
+          </p:cNvPr>
+          <p:cNvSpPr>
+            <a:spLocks noGrp="1"/>
+          </p:cNvSpPr>
+          <p:nvPr>
+            <p:ph idx="1"/>
+          </p:nvPr>
+        </p:nvSpPr>
+        <p:spPr>
+          <a:xfrm>
+            <a:off x="1202919" y="2011680"/>
+            <a:ext cx="9784080" cy="4225218"/>
+          </a:xfrm>
+        </p:spPr>
+        <p:txBody>
+          <a:bodyPr>
+            <a:normAutofit/>
+          </a:bodyPr>
+          <a:lstStyle/>
+          <a:p>
+            <a:endParaRPr lang="en-US" dirty="0"/>
+          </a:p>
+          <a:p>
+            <a:r>
+              <a:rPr lang="en-US" dirty="0"/>
+              <a:t>Each section of the FOS course is an Assignment</a:t>
+            </a:r>
+          </a:p>
+          <a:p>
+            <a:r>
+              <a:rPr lang="en-US" dirty="0"/>
+              <a:t>Click the project title to start</a:t>
+            </a:r>
+          </a:p>
+        </p:txBody>
+      </p:sp>
+      <p:pic>
+        <p:nvPicPr>
+          <p:cNvPr id="4" name="Picture 3">
+            <a:extLst>
+              <a:ext uri="{FF2B5EF4-FFF2-40B4-BE49-F238E27FC236}">
+                <a16:creationId xmlns:a16="http://schemas.microsoft.com/office/drawing/2014/main" id="{AE384C53-1BFB-4724-B9CD-0C91BFB5A05F}"/>
+              </a:ext>
+            </a:extLst>
+          </p:cNvPr>
+          <p:cNvPicPr>
+            <a:picLocks noChangeAspect="1"/>
+          </p:cNvPicPr>
+          <p:nvPr/>
+        </p:nvPicPr>
+        <p:blipFill>
+          <a:blip r:embed="rId2"/>
+          <a:stretch>
+            <a:fillRect/>
+          </a:stretch>
+        </p:blipFill>
+        <p:spPr>
+          <a:xfrm>
+            <a:off x="1564616" y="3592903"/>
+            <a:ext cx="3462497" cy="1626079"/>
+          </a:xfrm>
+          <a:prstGeom prst="rect">
+            <a:avLst/>
+          </a:prstGeom>
+          <a:ln w="57150">
+            <a:solidFill>
+              <a:schemeClr val="tx1"/>
+            </a:solidFill>
+          </a:ln>
+        </p:spPr>
+      </p:pic>
+    </p:spTree>
+    <p:extLst>
+      <p:ext uri="{BB962C8B-B14F-4D97-AF65-F5344CB8AC3E}">
+        <p14:creationId xmlns:p14="http://schemas.microsoft.com/office/powerpoint/2010/main" val="3383518644"/>
+      </p:ext>
+    </p:extLst>
+  </p:cSld>
+  <p:clrMapOvr>
+    <a:masterClrMapping/>
+  </p:clrMapOvr>
+</p:sld>
+</file>
+
+<file path=ppt/slides/slide5.xml><?xml version="1.0" encoding="utf-8"?>
+<p:sld xmlns:a="http://schemas.openxmlformats.org/drawingml/2006/main" xmlns:r="http://schemas.openxmlformats.org/officeDocument/2006/relationships" xmlns:p="http://schemas.openxmlformats.org/presentationml/2006/main">
+  <p:cSld>
+    <p:spTree>
+      <p:nvGrpSpPr>
+        <p:cNvPr id="1" name=""/>
+        <p:cNvGrpSpPr/>
+        <p:nvPr/>
+      </p:nvGrpSpPr>
+      <p:grpSpPr>
+        <a:xfrm>
+          <a:off x="0" y="0"/>
+          <a:ext cx="0" cy="0"/>
+          <a:chOff x="0" y="0"/>
+          <a:chExt cx="0" cy="0"/>
+        </a:xfrm>
+      </p:grpSpPr>
+      <p:sp>
+        <p:nvSpPr>
+          <p:cNvPr id="2" name="Title 1">
+            <a:extLst>
+              <a:ext uri="{FF2B5EF4-FFF2-40B4-BE49-F238E27FC236}">
                 <a16:creationId xmlns:a16="http://schemas.microsoft.com/office/drawing/2014/main" id="{010DD71F-C5CB-4108-876E-F6AD6975F5D6}"/>
               </a:ext>
             </a:extLst>
@@ -3776,7 +3973,7 @@
 </p:sld>
 </file>
 
-<file path=ppt/slides/slide5.xml><?xml version="1.0" encoding="utf-8"?>
+<file path=ppt/slides/slide6.xml><?xml version="1.0" encoding="utf-8"?>
 <p:sld xmlns:a="http://schemas.openxmlformats.org/drawingml/2006/main" xmlns:r="http://schemas.openxmlformats.org/officeDocument/2006/relationships" xmlns:p="http://schemas.openxmlformats.org/presentationml/2006/main">
   <p:cSld>
     <p:spTree>
